--- a/CS118/hw4/problem2.pptx
+++ b/CS118/hw4/problem2.pptx
@@ -262,7 +262,7 @@
           <a:p>
             <a:fld id="{B94BB319-EACA-F84B-93C4-A7322C860DBA}" type="datetimeFigureOut">
               <a:rPr lang="en-US" smtClean="0"/>
-              <a:t>11/13/22</a:t>
+              <a:t>11/18/22</a:t>
             </a:fld>
             <a:endParaRPr lang="en-US"/>
           </a:p>
@@ -460,7 +460,7 @@
           <a:p>
             <a:fld id="{B94BB319-EACA-F84B-93C4-A7322C860DBA}" type="datetimeFigureOut">
               <a:rPr lang="en-US" smtClean="0"/>
-              <a:t>11/13/22</a:t>
+              <a:t>11/18/22</a:t>
             </a:fld>
             <a:endParaRPr lang="en-US"/>
           </a:p>
@@ -668,7 +668,7 @@
           <a:p>
             <a:fld id="{B94BB319-EACA-F84B-93C4-A7322C860DBA}" type="datetimeFigureOut">
               <a:rPr lang="en-US" smtClean="0"/>
-              <a:t>11/13/22</a:t>
+              <a:t>11/18/22</a:t>
             </a:fld>
             <a:endParaRPr lang="en-US"/>
           </a:p>
@@ -866,7 +866,7 @@
           <a:p>
             <a:fld id="{B94BB319-EACA-F84B-93C4-A7322C860DBA}" type="datetimeFigureOut">
               <a:rPr lang="en-US" smtClean="0"/>
-              <a:t>11/13/22</a:t>
+              <a:t>11/18/22</a:t>
             </a:fld>
             <a:endParaRPr lang="en-US"/>
           </a:p>
@@ -1141,7 +1141,7 @@
           <a:p>
             <a:fld id="{B94BB319-EACA-F84B-93C4-A7322C860DBA}" type="datetimeFigureOut">
               <a:rPr lang="en-US" smtClean="0"/>
-              <a:t>11/13/22</a:t>
+              <a:t>11/18/22</a:t>
             </a:fld>
             <a:endParaRPr lang="en-US"/>
           </a:p>
@@ -1406,7 +1406,7 @@
           <a:p>
             <a:fld id="{B94BB319-EACA-F84B-93C4-A7322C860DBA}" type="datetimeFigureOut">
               <a:rPr lang="en-US" smtClean="0"/>
-              <a:t>11/13/22</a:t>
+              <a:t>11/18/22</a:t>
             </a:fld>
             <a:endParaRPr lang="en-US"/>
           </a:p>
@@ -1818,7 +1818,7 @@
           <a:p>
             <a:fld id="{B94BB319-EACA-F84B-93C4-A7322C860DBA}" type="datetimeFigureOut">
               <a:rPr lang="en-US" smtClean="0"/>
-              <a:t>11/13/22</a:t>
+              <a:t>11/18/22</a:t>
             </a:fld>
             <a:endParaRPr lang="en-US"/>
           </a:p>
@@ -1959,7 +1959,7 @@
           <a:p>
             <a:fld id="{B94BB319-EACA-F84B-93C4-A7322C860DBA}" type="datetimeFigureOut">
               <a:rPr lang="en-US" smtClean="0"/>
-              <a:t>11/13/22</a:t>
+              <a:t>11/18/22</a:t>
             </a:fld>
             <a:endParaRPr lang="en-US"/>
           </a:p>
@@ -2072,7 +2072,7 @@
           <a:p>
             <a:fld id="{B94BB319-EACA-F84B-93C4-A7322C860DBA}" type="datetimeFigureOut">
               <a:rPr lang="en-US" smtClean="0"/>
-              <a:t>11/13/22</a:t>
+              <a:t>11/18/22</a:t>
             </a:fld>
             <a:endParaRPr lang="en-US"/>
           </a:p>
@@ -2383,7 +2383,7 @@
           <a:p>
             <a:fld id="{B94BB319-EACA-F84B-93C4-A7322C860DBA}" type="datetimeFigureOut">
               <a:rPr lang="en-US" smtClean="0"/>
-              <a:t>11/13/22</a:t>
+              <a:t>11/18/22</a:t>
             </a:fld>
             <a:endParaRPr lang="en-US"/>
           </a:p>
@@ -2671,7 +2671,7 @@
           <a:p>
             <a:fld id="{B94BB319-EACA-F84B-93C4-A7322C860DBA}" type="datetimeFigureOut">
               <a:rPr lang="en-US" smtClean="0"/>
-              <a:t>11/13/22</a:t>
+              <a:t>11/18/22</a:t>
             </a:fld>
             <a:endParaRPr lang="en-US"/>
           </a:p>
@@ -2912,7 +2912,7 @@
           <a:p>
             <a:fld id="{B94BB319-EACA-F84B-93C4-A7322C860DBA}" type="datetimeFigureOut">
               <a:rPr lang="en-US" smtClean="0"/>
-              <a:t>11/13/22</a:t>
+              <a:t>11/18/22</a:t>
             </a:fld>
             <a:endParaRPr lang="en-US"/>
           </a:p>
@@ -4914,8 +4914,8 @@
         </p:nvSpPr>
         <p:spPr>
           <a:xfrm>
-            <a:off x="3932663" y="1289825"/>
-            <a:ext cx="814040" cy="1341863"/>
+            <a:off x="4103649" y="1418917"/>
+            <a:ext cx="1182028" cy="1424644"/>
           </a:xfrm>
           <a:prstGeom prst="rect">
             <a:avLst/>
@@ -4985,6 +4985,25 @@
               <a:t>R6,5</a:t>
             </a:r>
           </a:p>
+          <a:p>
+            <a:pPr algn="ctr"/>
+            <a:r>
+              <a:rPr lang="en-US" dirty="0" err="1">
+                <a:solidFill>
+                  <a:schemeClr val="tx1"/>
+                </a:solidFill>
+              </a:rPr>
+              <a:t>bioeng</a:t>
+            </a:r>
+            <a:r>
+              <a:rPr lang="en-US" dirty="0">
+                <a:solidFill>
+                  <a:schemeClr val="tx1"/>
+                </a:solidFill>
+              </a:rPr>
+              <a:t>, 1</a:t>
+            </a:r>
+          </a:p>
         </p:txBody>
       </p:sp>
       <p:sp>
@@ -5002,7 +5021,7 @@
         <p:spPr>
           <a:xfrm>
             <a:off x="5902712" y="1418918"/>
-            <a:ext cx="814040" cy="1341863"/>
+            <a:ext cx="814040" cy="1424643"/>
           </a:xfrm>
           <a:prstGeom prst="rect">
             <a:avLst/>
@@ -5070,6 +5089,17 @@
                 </a:solidFill>
               </a:rPr>
               <a:t>R5,5</a:t>
+            </a:r>
+          </a:p>
+          <a:p>
+            <a:pPr algn="ctr"/>
+            <a:r>
+              <a:rPr lang="en-US" dirty="0">
+                <a:solidFill>
+                  <a:schemeClr val="tx1"/>
+                </a:solidFill>
+              </a:rPr>
+              <a:t>me, 1</a:t>
             </a:r>
           </a:p>
         </p:txBody>
@@ -5694,6 +5724,347 @@
           </a:p>
         </p:txBody>
       </p:sp>
+      <p:cxnSp>
+        <p:nvCxnSpPr>
+          <p:cNvPr id="2" name="Straight Connector 1">
+            <a:extLst>
+              <a:ext uri="{FF2B5EF4-FFF2-40B4-BE49-F238E27FC236}">
+                <a16:creationId xmlns:a16="http://schemas.microsoft.com/office/drawing/2014/main" id="{F2E6CC33-183B-D8E3-7867-75EFDEC1EAA4}"/>
+              </a:ext>
+            </a:extLst>
+          </p:cNvPr>
+          <p:cNvCxnSpPr>
+            <a:cxnSpLocks/>
+          </p:cNvCxnSpPr>
+          <p:nvPr/>
+        </p:nvCxnSpPr>
+        <p:spPr>
+          <a:xfrm flipH="1">
+            <a:off x="4575078" y="1518437"/>
+            <a:ext cx="653709" cy="0"/>
+          </a:xfrm>
+          <a:prstGeom prst="line">
+            <a:avLst/>
+          </a:prstGeom>
+          <a:ln w="38100"/>
+        </p:spPr>
+        <p:style>
+          <a:lnRef idx="1">
+            <a:schemeClr val="accent1"/>
+          </a:lnRef>
+          <a:fillRef idx="0">
+            <a:schemeClr val="accent1"/>
+          </a:fillRef>
+          <a:effectRef idx="0">
+            <a:schemeClr val="accent1"/>
+          </a:effectRef>
+          <a:fontRef idx="minor">
+            <a:schemeClr val="tx1"/>
+          </a:fontRef>
+        </p:style>
+      </p:cxnSp>
+      <p:sp>
+        <p:nvSpPr>
+          <p:cNvPr id="7" name="TextBox 6">
+            <a:extLst>
+              <a:ext uri="{FF2B5EF4-FFF2-40B4-BE49-F238E27FC236}">
+                <a16:creationId xmlns:a16="http://schemas.microsoft.com/office/drawing/2014/main" id="{E23F0AA5-4ABA-2E04-4A95-44A7FD842969}"/>
+              </a:ext>
+            </a:extLst>
+          </p:cNvPr>
+          <p:cNvSpPr txBox="1"/>
+          <p:nvPr/>
+        </p:nvSpPr>
+        <p:spPr>
+          <a:xfrm>
+            <a:off x="4751089" y="1140213"/>
+            <a:ext cx="301686" cy="369332"/>
+          </a:xfrm>
+          <a:prstGeom prst="rect">
+            <a:avLst/>
+          </a:prstGeom>
+          <a:noFill/>
+        </p:spPr>
+        <p:txBody>
+          <a:bodyPr wrap="none" rtlCol="0">
+            <a:spAutoFit/>
+          </a:bodyPr>
+          <a:lstStyle/>
+          <a:p>
+            <a:r>
+              <a:rPr lang="en-US" dirty="0"/>
+              <a:t>1</a:t>
+            </a:r>
+          </a:p>
+        </p:txBody>
+      </p:sp>
+      <p:sp>
+        <p:nvSpPr>
+          <p:cNvPr id="11" name="Oval 10">
+            <a:extLst>
+              <a:ext uri="{FF2B5EF4-FFF2-40B4-BE49-F238E27FC236}">
+                <a16:creationId xmlns:a16="http://schemas.microsoft.com/office/drawing/2014/main" id="{10AE5AAC-C449-05DC-5417-DEEF97EFF64A}"/>
+              </a:ext>
+            </a:extLst>
+          </p:cNvPr>
+          <p:cNvSpPr/>
+          <p:nvPr/>
+        </p:nvSpPr>
+        <p:spPr>
+          <a:xfrm>
+            <a:off x="5235439" y="1210689"/>
+            <a:ext cx="1313005" cy="660361"/>
+          </a:xfrm>
+          <a:prstGeom prst="ellipse">
+            <a:avLst/>
+          </a:prstGeom>
+          <a:noFill/>
+          <a:ln w="38100">
+            <a:solidFill>
+              <a:schemeClr val="tx1"/>
+            </a:solidFill>
+          </a:ln>
+        </p:spPr>
+        <p:style>
+          <a:lnRef idx="2">
+            <a:schemeClr val="accent1">
+              <a:shade val="50000"/>
+            </a:schemeClr>
+          </a:lnRef>
+          <a:fillRef idx="1">
+            <a:schemeClr val="accent1"/>
+          </a:fillRef>
+          <a:effectRef idx="0">
+            <a:schemeClr val="accent1"/>
+          </a:effectRef>
+          <a:fontRef idx="minor">
+            <a:schemeClr val="lt1"/>
+          </a:fontRef>
+        </p:style>
+        <p:txBody>
+          <a:bodyPr rtlCol="0" anchor="ctr"/>
+          <a:lstStyle/>
+          <a:p>
+            <a:pPr algn="ctr"/>
+            <a:r>
+              <a:rPr lang="en-US" dirty="0" err="1">
+                <a:solidFill>
+                  <a:schemeClr val="tx1"/>
+                </a:solidFill>
+              </a:rPr>
+              <a:t>bioeng</a:t>
+            </a:r>
+            <a:endParaRPr lang="en-US" dirty="0">
+              <a:solidFill>
+                <a:schemeClr val="tx1"/>
+              </a:solidFill>
+            </a:endParaRPr>
+          </a:p>
+        </p:txBody>
+      </p:sp>
+      <p:sp>
+        <p:nvSpPr>
+          <p:cNvPr id="19" name="TextBox 18">
+            <a:extLst>
+              <a:ext uri="{FF2B5EF4-FFF2-40B4-BE49-F238E27FC236}">
+                <a16:creationId xmlns:a16="http://schemas.microsoft.com/office/drawing/2014/main" id="{F5163E77-36E9-99E8-6D87-DC872557372A}"/>
+              </a:ext>
+            </a:extLst>
+          </p:cNvPr>
+          <p:cNvSpPr txBox="1"/>
+          <p:nvPr/>
+        </p:nvSpPr>
+        <p:spPr>
+          <a:xfrm>
+            <a:off x="5664919" y="849721"/>
+            <a:ext cx="301686" cy="369332"/>
+          </a:xfrm>
+          <a:prstGeom prst="rect">
+            <a:avLst/>
+          </a:prstGeom>
+          <a:noFill/>
+        </p:spPr>
+        <p:txBody>
+          <a:bodyPr wrap="none" rtlCol="0">
+            <a:spAutoFit/>
+          </a:bodyPr>
+          <a:lstStyle/>
+          <a:p>
+            <a:r>
+              <a:rPr lang="en-US" dirty="0"/>
+              <a:t>1</a:t>
+            </a:r>
+          </a:p>
+        </p:txBody>
+      </p:sp>
+      <p:cxnSp>
+        <p:nvCxnSpPr>
+          <p:cNvPr id="21" name="Straight Connector 20">
+            <a:extLst>
+              <a:ext uri="{FF2B5EF4-FFF2-40B4-BE49-F238E27FC236}">
+                <a16:creationId xmlns:a16="http://schemas.microsoft.com/office/drawing/2014/main" id="{14B02242-ECF5-6915-7F9C-40B9C87E582B}"/>
+              </a:ext>
+            </a:extLst>
+          </p:cNvPr>
+          <p:cNvCxnSpPr>
+            <a:cxnSpLocks/>
+          </p:cNvCxnSpPr>
+          <p:nvPr/>
+        </p:nvCxnSpPr>
+        <p:spPr>
+          <a:xfrm flipH="1">
+            <a:off x="4575077" y="3115546"/>
+            <a:ext cx="653709" cy="0"/>
+          </a:xfrm>
+          <a:prstGeom prst="line">
+            <a:avLst/>
+          </a:prstGeom>
+          <a:ln w="38100"/>
+        </p:spPr>
+        <p:style>
+          <a:lnRef idx="1">
+            <a:schemeClr val="accent1"/>
+          </a:lnRef>
+          <a:fillRef idx="0">
+            <a:schemeClr val="accent1"/>
+          </a:fillRef>
+          <a:effectRef idx="0">
+            <a:schemeClr val="accent1"/>
+          </a:effectRef>
+          <a:fontRef idx="minor">
+            <a:schemeClr val="tx1"/>
+          </a:fontRef>
+        </p:style>
+      </p:cxnSp>
+      <p:sp>
+        <p:nvSpPr>
+          <p:cNvPr id="22" name="TextBox 21">
+            <a:extLst>
+              <a:ext uri="{FF2B5EF4-FFF2-40B4-BE49-F238E27FC236}">
+                <a16:creationId xmlns:a16="http://schemas.microsoft.com/office/drawing/2014/main" id="{C1292F31-A51B-2436-65F1-DE3EAE6AAAFB}"/>
+              </a:ext>
+            </a:extLst>
+          </p:cNvPr>
+          <p:cNvSpPr txBox="1"/>
+          <p:nvPr/>
+        </p:nvSpPr>
+        <p:spPr>
+          <a:xfrm>
+            <a:off x="4751088" y="2746214"/>
+            <a:ext cx="301686" cy="369332"/>
+          </a:xfrm>
+          <a:prstGeom prst="rect">
+            <a:avLst/>
+          </a:prstGeom>
+          <a:noFill/>
+        </p:spPr>
+        <p:txBody>
+          <a:bodyPr wrap="none" rtlCol="0">
+            <a:spAutoFit/>
+          </a:bodyPr>
+          <a:lstStyle/>
+          <a:p>
+            <a:r>
+              <a:rPr lang="en-US" dirty="0"/>
+              <a:t>1</a:t>
+            </a:r>
+          </a:p>
+        </p:txBody>
+      </p:sp>
+      <p:sp>
+        <p:nvSpPr>
+          <p:cNvPr id="23" name="Oval 22">
+            <a:extLst>
+              <a:ext uri="{FF2B5EF4-FFF2-40B4-BE49-F238E27FC236}">
+                <a16:creationId xmlns:a16="http://schemas.microsoft.com/office/drawing/2014/main" id="{6D1C0EB7-1C39-737F-6F11-85823A65B350}"/>
+              </a:ext>
+            </a:extLst>
+          </p:cNvPr>
+          <p:cNvSpPr/>
+          <p:nvPr/>
+        </p:nvSpPr>
+        <p:spPr>
+          <a:xfrm>
+            <a:off x="5209536" y="2763871"/>
+            <a:ext cx="1313005" cy="660361"/>
+          </a:xfrm>
+          <a:prstGeom prst="ellipse">
+            <a:avLst/>
+          </a:prstGeom>
+          <a:noFill/>
+          <a:ln w="38100">
+            <a:solidFill>
+              <a:schemeClr val="tx1"/>
+            </a:solidFill>
+          </a:ln>
+        </p:spPr>
+        <p:style>
+          <a:lnRef idx="2">
+            <a:schemeClr val="accent1">
+              <a:shade val="50000"/>
+            </a:schemeClr>
+          </a:lnRef>
+          <a:fillRef idx="1">
+            <a:schemeClr val="accent1"/>
+          </a:fillRef>
+          <a:effectRef idx="0">
+            <a:schemeClr val="accent1"/>
+          </a:effectRef>
+          <a:fontRef idx="minor">
+            <a:schemeClr val="lt1"/>
+          </a:fontRef>
+        </p:style>
+        <p:txBody>
+          <a:bodyPr rtlCol="0" anchor="ctr"/>
+          <a:lstStyle/>
+          <a:p>
+            <a:pPr algn="ctr"/>
+            <a:r>
+              <a:rPr lang="en-US" dirty="0">
+                <a:solidFill>
+                  <a:schemeClr val="tx1"/>
+                </a:solidFill>
+              </a:rPr>
+              <a:t>me</a:t>
+            </a:r>
+          </a:p>
+        </p:txBody>
+      </p:sp>
+      <p:sp>
+        <p:nvSpPr>
+          <p:cNvPr id="24" name="TextBox 23">
+            <a:extLst>
+              <a:ext uri="{FF2B5EF4-FFF2-40B4-BE49-F238E27FC236}">
+                <a16:creationId xmlns:a16="http://schemas.microsoft.com/office/drawing/2014/main" id="{551F804D-82EE-0363-7A0E-5A9F689951E7}"/>
+              </a:ext>
+            </a:extLst>
+          </p:cNvPr>
+          <p:cNvSpPr txBox="1"/>
+          <p:nvPr/>
+        </p:nvSpPr>
+        <p:spPr>
+          <a:xfrm>
+            <a:off x="5664919" y="3424232"/>
+            <a:ext cx="301686" cy="369332"/>
+          </a:xfrm>
+          <a:prstGeom prst="rect">
+            <a:avLst/>
+          </a:prstGeom>
+          <a:noFill/>
+        </p:spPr>
+        <p:txBody>
+          <a:bodyPr wrap="none" rtlCol="0">
+            <a:spAutoFit/>
+          </a:bodyPr>
+          <a:lstStyle/>
+          <a:p>
+            <a:r>
+              <a:rPr lang="en-US" dirty="0"/>
+              <a:t>3</a:t>
+            </a:r>
+          </a:p>
+        </p:txBody>
+      </p:sp>
     </p:spTree>
     <p:extLst>
       <p:ext uri="{BB962C8B-B14F-4D97-AF65-F5344CB8AC3E}">
@@ -6228,6 +6599,347 @@
             <a:r>
               <a:rPr lang="en-US" dirty="0"/>
               <a:t>Dijkstra tree at node R6:</a:t>
+            </a:r>
+          </a:p>
+        </p:txBody>
+      </p:sp>
+      <p:cxnSp>
+        <p:nvCxnSpPr>
+          <p:cNvPr id="2" name="Straight Connector 1">
+            <a:extLst>
+              <a:ext uri="{FF2B5EF4-FFF2-40B4-BE49-F238E27FC236}">
+                <a16:creationId xmlns:a16="http://schemas.microsoft.com/office/drawing/2014/main" id="{C630BF3C-9C49-B106-5450-D6CE44C6FFB0}"/>
+              </a:ext>
+            </a:extLst>
+          </p:cNvPr>
+          <p:cNvCxnSpPr>
+            <a:cxnSpLocks/>
+          </p:cNvCxnSpPr>
+          <p:nvPr/>
+        </p:nvCxnSpPr>
+        <p:spPr>
+          <a:xfrm flipH="1">
+            <a:off x="4575078" y="1518437"/>
+            <a:ext cx="653709" cy="0"/>
+          </a:xfrm>
+          <a:prstGeom prst="line">
+            <a:avLst/>
+          </a:prstGeom>
+          <a:ln w="38100"/>
+        </p:spPr>
+        <p:style>
+          <a:lnRef idx="1">
+            <a:schemeClr val="accent1"/>
+          </a:lnRef>
+          <a:fillRef idx="0">
+            <a:schemeClr val="accent1"/>
+          </a:fillRef>
+          <a:effectRef idx="0">
+            <a:schemeClr val="accent1"/>
+          </a:effectRef>
+          <a:fontRef idx="minor">
+            <a:schemeClr val="tx1"/>
+          </a:fontRef>
+        </p:style>
+      </p:cxnSp>
+      <p:sp>
+        <p:nvSpPr>
+          <p:cNvPr id="3" name="TextBox 2">
+            <a:extLst>
+              <a:ext uri="{FF2B5EF4-FFF2-40B4-BE49-F238E27FC236}">
+                <a16:creationId xmlns:a16="http://schemas.microsoft.com/office/drawing/2014/main" id="{94E65912-1D2D-AA48-58BE-55589E51FC95}"/>
+              </a:ext>
+            </a:extLst>
+          </p:cNvPr>
+          <p:cNvSpPr txBox="1"/>
+          <p:nvPr/>
+        </p:nvSpPr>
+        <p:spPr>
+          <a:xfrm>
+            <a:off x="4751089" y="1140213"/>
+            <a:ext cx="301686" cy="369332"/>
+          </a:xfrm>
+          <a:prstGeom prst="rect">
+            <a:avLst/>
+          </a:prstGeom>
+          <a:noFill/>
+        </p:spPr>
+        <p:txBody>
+          <a:bodyPr wrap="none" rtlCol="0">
+            <a:spAutoFit/>
+          </a:bodyPr>
+          <a:lstStyle/>
+          <a:p>
+            <a:r>
+              <a:rPr lang="en-US" dirty="0"/>
+              <a:t>1</a:t>
+            </a:r>
+          </a:p>
+        </p:txBody>
+      </p:sp>
+      <p:sp>
+        <p:nvSpPr>
+          <p:cNvPr id="7" name="Oval 6">
+            <a:extLst>
+              <a:ext uri="{FF2B5EF4-FFF2-40B4-BE49-F238E27FC236}">
+                <a16:creationId xmlns:a16="http://schemas.microsoft.com/office/drawing/2014/main" id="{526A7EEA-08EB-E96F-8188-0A8C3E015FBE}"/>
+              </a:ext>
+            </a:extLst>
+          </p:cNvPr>
+          <p:cNvSpPr/>
+          <p:nvPr/>
+        </p:nvSpPr>
+        <p:spPr>
+          <a:xfrm>
+            <a:off x="5235439" y="1210689"/>
+            <a:ext cx="1313005" cy="660361"/>
+          </a:xfrm>
+          <a:prstGeom prst="ellipse">
+            <a:avLst/>
+          </a:prstGeom>
+          <a:noFill/>
+          <a:ln w="38100">
+            <a:solidFill>
+              <a:schemeClr val="tx1"/>
+            </a:solidFill>
+          </a:ln>
+        </p:spPr>
+        <p:style>
+          <a:lnRef idx="2">
+            <a:schemeClr val="accent1">
+              <a:shade val="50000"/>
+            </a:schemeClr>
+          </a:lnRef>
+          <a:fillRef idx="1">
+            <a:schemeClr val="accent1"/>
+          </a:fillRef>
+          <a:effectRef idx="0">
+            <a:schemeClr val="accent1"/>
+          </a:effectRef>
+          <a:fontRef idx="minor">
+            <a:schemeClr val="lt1"/>
+          </a:fontRef>
+        </p:style>
+        <p:txBody>
+          <a:bodyPr rtlCol="0" anchor="ctr"/>
+          <a:lstStyle/>
+          <a:p>
+            <a:pPr algn="ctr"/>
+            <a:r>
+              <a:rPr lang="en-US" dirty="0" err="1">
+                <a:solidFill>
+                  <a:schemeClr val="tx1"/>
+                </a:solidFill>
+              </a:rPr>
+              <a:t>bioeng</a:t>
+            </a:r>
+            <a:endParaRPr lang="en-US" dirty="0">
+              <a:solidFill>
+                <a:schemeClr val="tx1"/>
+              </a:solidFill>
+            </a:endParaRPr>
+          </a:p>
+        </p:txBody>
+      </p:sp>
+      <p:sp>
+        <p:nvSpPr>
+          <p:cNvPr id="10" name="TextBox 9">
+            <a:extLst>
+              <a:ext uri="{FF2B5EF4-FFF2-40B4-BE49-F238E27FC236}">
+                <a16:creationId xmlns:a16="http://schemas.microsoft.com/office/drawing/2014/main" id="{A1D2C529-C835-577A-91E0-9BF87956C66A}"/>
+              </a:ext>
+            </a:extLst>
+          </p:cNvPr>
+          <p:cNvSpPr txBox="1"/>
+          <p:nvPr/>
+        </p:nvSpPr>
+        <p:spPr>
+          <a:xfrm>
+            <a:off x="5664919" y="849721"/>
+            <a:ext cx="301686" cy="369332"/>
+          </a:xfrm>
+          <a:prstGeom prst="rect">
+            <a:avLst/>
+          </a:prstGeom>
+          <a:noFill/>
+        </p:spPr>
+        <p:txBody>
+          <a:bodyPr wrap="none" rtlCol="0">
+            <a:spAutoFit/>
+          </a:bodyPr>
+          <a:lstStyle/>
+          <a:p>
+            <a:r>
+              <a:rPr lang="en-US" dirty="0"/>
+              <a:t>3</a:t>
+            </a:r>
+          </a:p>
+        </p:txBody>
+      </p:sp>
+      <p:cxnSp>
+        <p:nvCxnSpPr>
+          <p:cNvPr id="11" name="Straight Connector 10">
+            <a:extLst>
+              <a:ext uri="{FF2B5EF4-FFF2-40B4-BE49-F238E27FC236}">
+                <a16:creationId xmlns:a16="http://schemas.microsoft.com/office/drawing/2014/main" id="{3E95CF20-111A-CB5F-2791-45B98E4E2AFB}"/>
+              </a:ext>
+            </a:extLst>
+          </p:cNvPr>
+          <p:cNvCxnSpPr>
+            <a:cxnSpLocks/>
+          </p:cNvCxnSpPr>
+          <p:nvPr/>
+        </p:nvCxnSpPr>
+        <p:spPr>
+          <a:xfrm flipH="1">
+            <a:off x="4575077" y="3115546"/>
+            <a:ext cx="653709" cy="0"/>
+          </a:xfrm>
+          <a:prstGeom prst="line">
+            <a:avLst/>
+          </a:prstGeom>
+          <a:ln w="38100"/>
+        </p:spPr>
+        <p:style>
+          <a:lnRef idx="1">
+            <a:schemeClr val="accent1"/>
+          </a:lnRef>
+          <a:fillRef idx="0">
+            <a:schemeClr val="accent1"/>
+          </a:fillRef>
+          <a:effectRef idx="0">
+            <a:schemeClr val="accent1"/>
+          </a:effectRef>
+          <a:fontRef idx="minor">
+            <a:schemeClr val="tx1"/>
+          </a:fontRef>
+        </p:style>
+      </p:cxnSp>
+      <p:sp>
+        <p:nvSpPr>
+          <p:cNvPr id="19" name="TextBox 18">
+            <a:extLst>
+              <a:ext uri="{FF2B5EF4-FFF2-40B4-BE49-F238E27FC236}">
+                <a16:creationId xmlns:a16="http://schemas.microsoft.com/office/drawing/2014/main" id="{15C6AAFD-3807-2BD9-9543-E65FD0D4095D}"/>
+              </a:ext>
+            </a:extLst>
+          </p:cNvPr>
+          <p:cNvSpPr txBox="1"/>
+          <p:nvPr/>
+        </p:nvSpPr>
+        <p:spPr>
+          <a:xfrm>
+            <a:off x="4751088" y="2746214"/>
+            <a:ext cx="301686" cy="369332"/>
+          </a:xfrm>
+          <a:prstGeom prst="rect">
+            <a:avLst/>
+          </a:prstGeom>
+          <a:noFill/>
+        </p:spPr>
+        <p:txBody>
+          <a:bodyPr wrap="none" rtlCol="0">
+            <a:spAutoFit/>
+          </a:bodyPr>
+          <a:lstStyle/>
+          <a:p>
+            <a:r>
+              <a:rPr lang="en-US" dirty="0"/>
+              <a:t>1</a:t>
+            </a:r>
+          </a:p>
+        </p:txBody>
+      </p:sp>
+      <p:sp>
+        <p:nvSpPr>
+          <p:cNvPr id="20" name="Oval 19">
+            <a:extLst>
+              <a:ext uri="{FF2B5EF4-FFF2-40B4-BE49-F238E27FC236}">
+                <a16:creationId xmlns:a16="http://schemas.microsoft.com/office/drawing/2014/main" id="{4DACA18C-0893-FA2D-13FE-CE4C27B858B9}"/>
+              </a:ext>
+            </a:extLst>
+          </p:cNvPr>
+          <p:cNvSpPr/>
+          <p:nvPr/>
+        </p:nvSpPr>
+        <p:spPr>
+          <a:xfrm>
+            <a:off x="5209536" y="2763871"/>
+            <a:ext cx="1313005" cy="660361"/>
+          </a:xfrm>
+          <a:prstGeom prst="ellipse">
+            <a:avLst/>
+          </a:prstGeom>
+          <a:noFill/>
+          <a:ln w="38100">
+            <a:solidFill>
+              <a:schemeClr val="tx1"/>
+            </a:solidFill>
+          </a:ln>
+        </p:spPr>
+        <p:style>
+          <a:lnRef idx="2">
+            <a:schemeClr val="accent1">
+              <a:shade val="50000"/>
+            </a:schemeClr>
+          </a:lnRef>
+          <a:fillRef idx="1">
+            <a:schemeClr val="accent1"/>
+          </a:fillRef>
+          <a:effectRef idx="0">
+            <a:schemeClr val="accent1"/>
+          </a:effectRef>
+          <a:fontRef idx="minor">
+            <a:schemeClr val="lt1"/>
+          </a:fontRef>
+        </p:style>
+        <p:txBody>
+          <a:bodyPr rtlCol="0" anchor="ctr"/>
+          <a:lstStyle/>
+          <a:p>
+            <a:pPr algn="ctr"/>
+            <a:r>
+              <a:rPr lang="en-US" dirty="0">
+                <a:solidFill>
+                  <a:schemeClr val="tx1"/>
+                </a:solidFill>
+              </a:rPr>
+              <a:t>me</a:t>
+            </a:r>
+          </a:p>
+        </p:txBody>
+      </p:sp>
+      <p:sp>
+        <p:nvSpPr>
+          <p:cNvPr id="21" name="TextBox 20">
+            <a:extLst>
+              <a:ext uri="{FF2B5EF4-FFF2-40B4-BE49-F238E27FC236}">
+                <a16:creationId xmlns:a16="http://schemas.microsoft.com/office/drawing/2014/main" id="{E24CD3CE-D3CF-B095-0A05-AB68B814E637}"/>
+              </a:ext>
+            </a:extLst>
+          </p:cNvPr>
+          <p:cNvSpPr txBox="1"/>
+          <p:nvPr/>
+        </p:nvSpPr>
+        <p:spPr>
+          <a:xfrm>
+            <a:off x="5664919" y="3424232"/>
+            <a:ext cx="301686" cy="369332"/>
+          </a:xfrm>
+          <a:prstGeom prst="rect">
+            <a:avLst/>
+          </a:prstGeom>
+          <a:noFill/>
+        </p:spPr>
+        <p:txBody>
+          <a:bodyPr wrap="none" rtlCol="0">
+            <a:spAutoFit/>
+          </a:bodyPr>
+          <a:lstStyle/>
+          <a:p>
+            <a:r>
+              <a:rPr lang="en-US" dirty="0"/>
+              <a:t>1</a:t>
             </a:r>
           </a:p>
         </p:txBody>
